--- a/Presentations/Project-BTS_ Neurons.pptx
+++ b/Presentations/Project-BTS_ Neurons.pptx
@@ -8298,7 +8298,7 @@
           <a:p>
             <a:fld id="{E6791462-BE13-41FD-BF22-7B45672A69EA}" type="datetimeFigureOut">
               <a:rPr lang="en-US" smtClean="0"/>
-              <a:t>2/1/2023</a:t>
+              <a:t>3/2/2023</a:t>
             </a:fld>
             <a:endParaRPr lang="en-US" dirty="0"/>
           </a:p>
@@ -8463,7 +8463,7 @@
           <a:p>
             <a:fld id="{C79E5134-0E51-4470-806B-86E1EBBDC0A1}" type="datetimeFigureOut">
               <a:rPr lang="en-US" smtClean="0"/>
-              <a:t>2/1/2023</a:t>
+              <a:t>3/2/2023</a:t>
             </a:fld>
             <a:endParaRPr lang="en-US" dirty="0"/>
           </a:p>
@@ -39474,7 +39474,7 @@
           <p:nvPr>
             <p:extLst>
               <p:ext uri="{D42A27DB-BD31-4B8C-83A1-F6EECF244321}">
-                <p14:modId xmlns:p14="http://schemas.microsoft.com/office/powerpoint/2010/main" val="3904734743"/>
+                <p14:modId xmlns:p14="http://schemas.microsoft.com/office/powerpoint/2010/main" val="1994644788"/>
               </p:ext>
             </p:extLst>
           </p:nvPr>
@@ -39633,10 +39633,10 @@
                         <a:defRPr/>
                       </a:pPr>
                       <a:r>
-                        <a:rPr lang="en-IN" sz="1800" dirty="0">
+                        <a:rPr lang="en-IN" sz="1800">
                           <a:hlinkClick r:id="rId2"/>
                         </a:rPr>
-                        <a:t>https://github.com/DivyanganaKothari/Books-to-Search-BTS</a:t>
+                        <a:t>https://github.com/Manojkdara/Books-to-Search-BTS-</a:t>
                       </a:r>
                       <a:endParaRPr lang="en-IN" sz="1800" dirty="0"/>
                     </a:p>

--- a/Presentations/Project-BTS_ Neurons.pptx
+++ b/Presentations/Project-BTS_ Neurons.pptx
@@ -29970,69 +29970,42 @@
           </a:p>
         </p:txBody>
       </p:sp>
-      <p:graphicFrame>
-        <p:nvGraphicFramePr>
-          <p:cNvPr id="7" name="Objekt 6">
+      <p:pic>
+        <p:nvPicPr>
+          <p:cNvPr id="9" name="Picture 8">
             <a:extLst>
               <a:ext uri="{FF2B5EF4-FFF2-40B4-BE49-F238E27FC236}">
-                <a16:creationId xmlns:a16="http://schemas.microsoft.com/office/drawing/2014/main" id="{13F65DB7-F2FC-4520-AEA2-E2E5FDF88698}"/>
+                <a16:creationId xmlns:a16="http://schemas.microsoft.com/office/drawing/2014/main" id="{489D976C-0526-F8BA-5C23-5AD508A77E2F}"/>
               </a:ext>
             </a:extLst>
           </p:cNvPr>
-          <p:cNvGraphicFramePr>
-            <a:graphicFrameLocks noChangeAspect="1"/>
-          </p:cNvGraphicFramePr>
-          <p:nvPr>
-            <p:extLst>
-              <p:ext uri="{D42A27DB-BD31-4B8C-83A1-F6EECF244321}">
-                <p14:modId xmlns:p14="http://schemas.microsoft.com/office/powerpoint/2010/main" val="2598080711"/>
-              </p:ext>
-            </p:extLst>
-          </p:nvPr>
-        </p:nvGraphicFramePr>
-        <p:xfrm>
-          <a:off x="6338577" y="2263544"/>
-          <a:ext cx="4473802" cy="1491267"/>
-        </p:xfrm>
-        <a:graphic>
-          <a:graphicData uri="http://schemas.openxmlformats.org/presentationml/2006/ole">
-            <mc:AlternateContent xmlns:mc="http://schemas.openxmlformats.org/markup-compatibility/2006">
-              <mc:Choice xmlns:v="urn:schemas-microsoft-com:vml" Requires="v">
-                <p:oleObj r:id="rId3" imgW="15771240" imgH="5257080" progId="">
-                  <p:embed/>
-                </p:oleObj>
-              </mc:Choice>
-              <mc:Fallback>
-                <p:oleObj r:id="rId3" imgW="15771240" imgH="5257080" progId="">
-                  <p:embed/>
-                  <p:pic>
-                    <p:nvPicPr>
-                      <p:cNvPr id="0" name=""/>
-                      <p:cNvPicPr/>
-                      <p:nvPr/>
-                    </p:nvPicPr>
-                    <p:blipFill>
-                      <a:blip r:embed="rId4"/>
-                      <a:stretch>
-                        <a:fillRect/>
-                      </a:stretch>
-                    </p:blipFill>
-                    <p:spPr>
-                      <a:xfrm>
-                        <a:off x="6338577" y="2263544"/>
-                        <a:ext cx="4473802" cy="1491267"/>
-                      </a:xfrm>
-                      <a:prstGeom prst="rect">
-                        <a:avLst/>
-                      </a:prstGeom>
-                    </p:spPr>
-                  </p:pic>
-                </p:oleObj>
-              </mc:Fallback>
-            </mc:AlternateContent>
-          </a:graphicData>
-        </a:graphic>
-      </p:graphicFrame>
+          <p:cNvPicPr>
+            <a:picLocks noChangeAspect="1"/>
+          </p:cNvPicPr>
+          <p:nvPr/>
+        </p:nvPicPr>
+        <p:blipFill>
+          <a:blip r:embed="rId3" cstate="print">
+            <a:extLst>
+              <a:ext uri="{28A0092B-C50C-407E-A947-70E740481C1C}">
+                <a14:useLocalDpi xmlns:a14="http://schemas.microsoft.com/office/drawing/2010/main" val="0"/>
+              </a:ext>
+            </a:extLst>
+          </a:blip>
+          <a:stretch>
+            <a:fillRect/>
+          </a:stretch>
+        </p:blipFill>
+        <p:spPr>
+          <a:xfrm>
+            <a:off x="5943600" y="2197645"/>
+            <a:ext cx="5244562" cy="1212784"/>
+          </a:xfrm>
+          <a:prstGeom prst="rect">
+            <a:avLst/>
+          </a:prstGeom>
+        </p:spPr>
+      </p:pic>
     </p:spTree>
     <p:extLst>
       <p:ext uri="{BB962C8B-B14F-4D97-AF65-F5344CB8AC3E}">
